--- a/Presentation Capstone Project Module 2.pptx
+++ b/Presentation Capstone Project Module 2.pptx
@@ -2494,6 +2494,13 @@
         </dgm:presLayoutVars>
       </dgm:prSet>
       <dgm:spPr/>
+      <dgm:t>
+        <a:bodyPr/>
+        <a:lstStyle/>
+        <a:p>
+          <a:endParaRPr lang="en-US"/>
+        </a:p>
+      </dgm:t>
     </dgm:pt>
     <dgm:pt modelId="{89530126-2F7A-46B3-92EB-CA996A211F38}" type="pres">
       <dgm:prSet presAssocID="{06727084-720D-4E47-ACF4-68159D6520DF}" presName="composite" presStyleCnt="0"/>
@@ -2516,6 +2523,13 @@
           </a:stretch>
         </a:blipFill>
       </dgm:spPr>
+      <dgm:t>
+        <a:bodyPr/>
+        <a:lstStyle/>
+        <a:p>
+          <a:endParaRPr lang="en-US"/>
+        </a:p>
+      </dgm:t>
     </dgm:pt>
     <dgm:pt modelId="{0C615031-00F4-4C39-BD62-7B729AD3C44A}" type="pres">
       <dgm:prSet presAssocID="{06727084-720D-4E47-ACF4-68159D6520DF}" presName="txShp" presStyleLbl="node1" presStyleIdx="0" presStyleCnt="4">
@@ -2557,6 +2571,13 @@
           </a:stretch>
         </a:blipFill>
       </dgm:spPr>
+      <dgm:t>
+        <a:bodyPr/>
+        <a:lstStyle/>
+        <a:p>
+          <a:endParaRPr lang="en-US"/>
+        </a:p>
+      </dgm:t>
     </dgm:pt>
     <dgm:pt modelId="{643636AC-177F-4174-A09F-CC837BA8989D}" type="pres">
       <dgm:prSet presAssocID="{26A51692-768D-4A88-B5AB-12F37C4D7B3F}" presName="txShp" presStyleLbl="node1" presStyleIdx="1" presStyleCnt="4">
@@ -2639,6 +2660,13 @@
           </a:stretch>
         </a:blipFill>
       </dgm:spPr>
+      <dgm:t>
+        <a:bodyPr/>
+        <a:lstStyle/>
+        <a:p>
+          <a:endParaRPr lang="en-US"/>
+        </a:p>
+      </dgm:t>
     </dgm:pt>
     <dgm:pt modelId="{A429DD2C-4F8D-47B0-A29E-AC00F4C516EB}" type="pres">
       <dgm:prSet presAssocID="{6DAA853F-3CCB-483C-9D69-541A352D4689}" presName="txShp" presStyleLbl="node1" presStyleIdx="3" presStyleCnt="4" custScaleY="134245">
@@ -2657,15 +2685,15 @@
     </dgm:pt>
   </dgm:ptLst>
   <dgm:cxnLst>
-    <dgm:cxn modelId="{D30722B1-611F-4E5C-8062-681AC10333B4}" srcId="{4A54331E-5CF2-4E72-9C2C-9ED890AD8987}" destId="{26A51692-768D-4A88-B5AB-12F37C4D7B3F}" srcOrd="1" destOrd="0" parTransId="{938AAF1E-6D36-48EB-A733-06BE1FDB9460}" sibTransId="{124C6942-0B1A-4671-BC34-54D0E4EE89E5}"/>
+    <dgm:cxn modelId="{6EC6AC5A-FE93-43A8-A9CC-966BEDE1B76B}" srcId="{4A54331E-5CF2-4E72-9C2C-9ED890AD8987}" destId="{06727084-720D-4E47-ACF4-68159D6520DF}" srcOrd="0" destOrd="0" parTransId="{716ED5E1-FD22-4325-ACE5-596BB98A0DB7}" sibTransId="{C2CE8309-DB6D-4013-BC92-C2E04E21910F}"/>
     <dgm:cxn modelId="{672A4AA8-04F3-4777-986A-FBA72A1D6F01}" type="presOf" srcId="{6DAA853F-3CCB-483C-9D69-541A352D4689}" destId="{A429DD2C-4F8D-47B0-A29E-AC00F4C516EB}" srcOrd="0" destOrd="0" presId="urn:microsoft.com/office/officeart/2005/8/layout/vList3"/>
+    <dgm:cxn modelId="{306B3EDB-005E-481B-828E-118307E9238D}" type="presOf" srcId="{DD584E2D-A7ED-4E7F-8451-7439A6BB8DF6}" destId="{3228CE78-E189-48CD-8F18-D09EDA0DBA49}" srcOrd="0" destOrd="0" presId="urn:microsoft.com/office/officeart/2005/8/layout/vList3"/>
+    <dgm:cxn modelId="{6800F27C-A564-40D4-B056-0D010FCDCC39}" srcId="{4A54331E-5CF2-4E72-9C2C-9ED890AD8987}" destId="{6DAA853F-3CCB-483C-9D69-541A352D4689}" srcOrd="3" destOrd="0" parTransId="{5539614C-B182-4833-A66C-833541B49B23}" sibTransId="{1159397D-A41C-471D-8491-9F119B333C6F}"/>
     <dgm:cxn modelId="{CC2CD63B-7F8C-448E-BD37-81973E5E1EAB}" type="presOf" srcId="{06727084-720D-4E47-ACF4-68159D6520DF}" destId="{0C615031-00F4-4C39-BD62-7B729AD3C44A}" srcOrd="0" destOrd="0" presId="urn:microsoft.com/office/officeart/2005/8/layout/vList3"/>
-    <dgm:cxn modelId="{6EC6AC5A-FE93-43A8-A9CC-966BEDE1B76B}" srcId="{4A54331E-5CF2-4E72-9C2C-9ED890AD8987}" destId="{06727084-720D-4E47-ACF4-68159D6520DF}" srcOrd="0" destOrd="0" parTransId="{716ED5E1-FD22-4325-ACE5-596BB98A0DB7}" sibTransId="{C2CE8309-DB6D-4013-BC92-C2E04E21910F}"/>
-    <dgm:cxn modelId="{49148E0C-1C50-4F0D-B91E-90D84D5F2B5A}" type="presOf" srcId="{26A51692-768D-4A88-B5AB-12F37C4D7B3F}" destId="{643636AC-177F-4174-A09F-CC837BA8989D}" srcOrd="0" destOrd="0" presId="urn:microsoft.com/office/officeart/2005/8/layout/vList3"/>
-    <dgm:cxn modelId="{6800F27C-A564-40D4-B056-0D010FCDCC39}" srcId="{4A54331E-5CF2-4E72-9C2C-9ED890AD8987}" destId="{6DAA853F-3CCB-483C-9D69-541A352D4689}" srcOrd="3" destOrd="0" parTransId="{5539614C-B182-4833-A66C-833541B49B23}" sibTransId="{1159397D-A41C-471D-8491-9F119B333C6F}"/>
     <dgm:cxn modelId="{5E32D30A-0B6F-4A6F-AAE3-630B745140CB}" srcId="{4A54331E-5CF2-4E72-9C2C-9ED890AD8987}" destId="{DD584E2D-A7ED-4E7F-8451-7439A6BB8DF6}" srcOrd="2" destOrd="0" parTransId="{7C7AFF19-13AE-469D-B5E0-F314392BB58F}" sibTransId="{76035D83-7B96-4815-9AAA-54B5BA2E771D}"/>
     <dgm:cxn modelId="{B02AABF1-4B82-4B32-BCFD-0DAA338E0EAC}" type="presOf" srcId="{4A54331E-5CF2-4E72-9C2C-9ED890AD8987}" destId="{DF265E35-A5ED-4C87-B7E7-A033ED4BEFE2}" srcOrd="0" destOrd="0" presId="urn:microsoft.com/office/officeart/2005/8/layout/vList3"/>
-    <dgm:cxn modelId="{306B3EDB-005E-481B-828E-118307E9238D}" type="presOf" srcId="{DD584E2D-A7ED-4E7F-8451-7439A6BB8DF6}" destId="{3228CE78-E189-48CD-8F18-D09EDA0DBA49}" srcOrd="0" destOrd="0" presId="urn:microsoft.com/office/officeart/2005/8/layout/vList3"/>
+    <dgm:cxn modelId="{D30722B1-611F-4E5C-8062-681AC10333B4}" srcId="{4A54331E-5CF2-4E72-9C2C-9ED890AD8987}" destId="{26A51692-768D-4A88-B5AB-12F37C4D7B3F}" srcOrd="1" destOrd="0" parTransId="{938AAF1E-6D36-48EB-A733-06BE1FDB9460}" sibTransId="{124C6942-0B1A-4671-BC34-54D0E4EE89E5}"/>
+    <dgm:cxn modelId="{49148E0C-1C50-4F0D-B91E-90D84D5F2B5A}" type="presOf" srcId="{26A51692-768D-4A88-B5AB-12F37C4D7B3F}" destId="{643636AC-177F-4174-A09F-CC837BA8989D}" srcOrd="0" destOrd="0" presId="urn:microsoft.com/office/officeart/2005/8/layout/vList3"/>
     <dgm:cxn modelId="{3F11BDA8-1BE6-4C67-9DEC-C017EA011877}" type="presParOf" srcId="{DF265E35-A5ED-4C87-B7E7-A033ED4BEFE2}" destId="{89530126-2F7A-46B3-92EB-CA996A211F38}" srcOrd="0" destOrd="0" presId="urn:microsoft.com/office/officeart/2005/8/layout/vList3"/>
     <dgm:cxn modelId="{A155EFEA-9B65-4804-8F2E-FD4901465C2F}" type="presParOf" srcId="{89530126-2F7A-46B3-92EB-CA996A211F38}" destId="{F49F0E57-45F3-4A19-8154-9C82A9F0024B}" srcOrd="0" destOrd="0" presId="urn:microsoft.com/office/officeart/2005/8/layout/vList3"/>
     <dgm:cxn modelId="{75537789-F943-4FEC-8F37-C99EE4177AD1}" type="presParOf" srcId="{89530126-2F7A-46B3-92EB-CA996A211F38}" destId="{0C615031-00F4-4C39-BD62-7B729AD3C44A}" srcOrd="1" destOrd="0" presId="urn:microsoft.com/office/officeart/2005/8/layout/vList3"/>
@@ -4307,644 +4335,6 @@
       <dsp:cNvGrpSpPr/>
     </dsp:nvGrpSpPr>
     <dsp:grpSpPr/>
-    <dsp:sp modelId="{54C54F3B-F8FD-4249-80FD-8DACE1D13295}">
-      <dsp:nvSpPr>
-        <dsp:cNvPr id="0" name=""/>
-        <dsp:cNvSpPr/>
-      </dsp:nvSpPr>
-      <dsp:spPr>
-        <a:xfrm>
-          <a:off x="-5247080" y="-803642"/>
-          <a:ext cx="6248230" cy="6248230"/>
-        </a:xfrm>
-        <a:prstGeom prst="blockArc">
-          <a:avLst>
-            <a:gd name="adj1" fmla="val 18900000"/>
-            <a:gd name="adj2" fmla="val 2700000"/>
-            <a:gd name="adj3" fmla="val 346"/>
-          </a:avLst>
-        </a:prstGeom>
-        <a:noFill/>
-        <a:ln w="12700" cap="flat" cmpd="sng" algn="ctr">
-          <a:solidFill>
-            <a:schemeClr val="dk2">
-              <a:shade val="60000"/>
-              <a:hueOff val="0"/>
-              <a:satOff val="0"/>
-              <a:lumOff val="0"/>
-              <a:alphaOff val="0"/>
-            </a:schemeClr>
-          </a:solidFill>
-          <a:prstDash val="solid"/>
-          <a:miter lim="800000"/>
-        </a:ln>
-        <a:effectLst/>
-      </dsp:spPr>
-      <dsp:style>
-        <a:lnRef idx="2">
-          <a:scrgbClr r="0" g="0" b="0"/>
-        </a:lnRef>
-        <a:fillRef idx="0">
-          <a:scrgbClr r="0" g="0" b="0"/>
-        </a:fillRef>
-        <a:effectRef idx="0">
-          <a:scrgbClr r="0" g="0" b="0"/>
-        </a:effectRef>
-        <a:fontRef idx="minor"/>
-      </dsp:style>
-    </dsp:sp>
-    <dsp:sp modelId="{43F234E2-4F23-4881-92E4-9C1A7944FB13}">
-      <dsp:nvSpPr>
-        <dsp:cNvPr id="0" name=""/>
-        <dsp:cNvSpPr/>
-      </dsp:nvSpPr>
-      <dsp:spPr>
-        <a:xfrm>
-          <a:off x="524173" y="356795"/>
-          <a:ext cx="9629799" cy="713962"/>
-        </a:xfrm>
-        <a:prstGeom prst="rect">
-          <a:avLst/>
-        </a:prstGeom>
-        <a:solidFill>
-          <a:schemeClr val="tx2">
-            <a:lumMod val="50000"/>
-          </a:schemeClr>
-        </a:solidFill>
-        <a:ln w="12700" cap="flat" cmpd="sng" algn="ctr">
-          <a:solidFill>
-            <a:schemeClr val="lt2">
-              <a:hueOff val="0"/>
-              <a:satOff val="0"/>
-              <a:lumOff val="0"/>
-              <a:alphaOff val="0"/>
-            </a:schemeClr>
-          </a:solidFill>
-          <a:prstDash val="solid"/>
-          <a:miter lim="800000"/>
-        </a:ln>
-        <a:effectLst/>
-      </dsp:spPr>
-      <dsp:style>
-        <a:lnRef idx="2">
-          <a:scrgbClr r="0" g="0" b="0"/>
-        </a:lnRef>
-        <a:fillRef idx="1">
-          <a:scrgbClr r="0" g="0" b="0"/>
-        </a:fillRef>
-        <a:effectRef idx="0">
-          <a:scrgbClr r="0" g="0" b="0"/>
-        </a:effectRef>
-        <a:fontRef idx="minor">
-          <a:schemeClr val="lt1"/>
-        </a:fontRef>
-      </dsp:style>
-      <dsp:txBody>
-        <a:bodyPr spcFirstLastPara="0" vert="horz" wrap="square" lIns="566708" tIns="55880" rIns="55880" bIns="55880" numCol="1" spcCol="1270" anchor="ctr" anchorCtr="0">
-          <a:noAutofit/>
-        </a:bodyPr>
-        <a:lstStyle/>
-        <a:p>
-          <a:pPr lvl="0" algn="l" defTabSz="977900">
-            <a:lnSpc>
-              <a:spcPct val="90000"/>
-            </a:lnSpc>
-            <a:spcBef>
-              <a:spcPct val="0"/>
-            </a:spcBef>
-            <a:spcAft>
-              <a:spcPct val="35000"/>
-            </a:spcAft>
-          </a:pPr>
-          <a:r>
-            <a:rPr lang="en-US" sz="2200" kern="1200" dirty="0" err="1" smtClean="0"/>
-            <a:t>Menganalisa</a:t>
-          </a:r>
-          <a:r>
-            <a:rPr lang="en-US" sz="2200" kern="1200" dirty="0" smtClean="0"/>
-            <a:t> peak hour </a:t>
-          </a:r>
-          <a:r>
-            <a:rPr lang="en-US" sz="2200" kern="1200" dirty="0" err="1" smtClean="0"/>
-            <a:t>TransJakarta</a:t>
-          </a:r>
-          <a:endParaRPr lang="en-US" sz="2200" kern="1200" dirty="0"/>
-        </a:p>
-      </dsp:txBody>
-      <dsp:txXfrm>
-        <a:off x="524173" y="356795"/>
-        <a:ext cx="9629799" cy="713962"/>
-      </dsp:txXfrm>
-    </dsp:sp>
-    <dsp:sp modelId="{DF2E54F5-6804-4560-B858-A0B4E67C1E4E}">
-      <dsp:nvSpPr>
-        <dsp:cNvPr id="0" name=""/>
-        <dsp:cNvSpPr/>
-      </dsp:nvSpPr>
-      <dsp:spPr>
-        <a:xfrm>
-          <a:off x="77946" y="267550"/>
-          <a:ext cx="892453" cy="892453"/>
-        </a:xfrm>
-        <a:prstGeom prst="ellipse">
-          <a:avLst/>
-        </a:prstGeom>
-        <a:solidFill>
-          <a:schemeClr val="lt2">
-            <a:hueOff val="0"/>
-            <a:satOff val="0"/>
-            <a:lumOff val="0"/>
-            <a:alphaOff val="0"/>
-          </a:schemeClr>
-        </a:solidFill>
-        <a:ln w="12700" cap="flat" cmpd="sng" algn="ctr">
-          <a:solidFill>
-            <a:schemeClr val="dk2">
-              <a:hueOff val="0"/>
-              <a:satOff val="0"/>
-              <a:lumOff val="0"/>
-              <a:alphaOff val="0"/>
-            </a:schemeClr>
-          </a:solidFill>
-          <a:prstDash val="solid"/>
-          <a:miter lim="800000"/>
-        </a:ln>
-        <a:effectLst/>
-      </dsp:spPr>
-      <dsp:style>
-        <a:lnRef idx="2">
-          <a:scrgbClr r="0" g="0" b="0"/>
-        </a:lnRef>
-        <a:fillRef idx="1">
-          <a:scrgbClr r="0" g="0" b="0"/>
-        </a:fillRef>
-        <a:effectRef idx="0">
-          <a:scrgbClr r="0" g="0" b="0"/>
-        </a:effectRef>
-        <a:fontRef idx="minor"/>
-      </dsp:style>
-    </dsp:sp>
-    <dsp:sp modelId="{65D81615-A3FA-4827-AA3D-A46ACA3A9D72}">
-      <dsp:nvSpPr>
-        <dsp:cNvPr id="0" name=""/>
-        <dsp:cNvSpPr/>
-      </dsp:nvSpPr>
-      <dsp:spPr>
-        <a:xfrm>
-          <a:off x="933504" y="1427925"/>
-          <a:ext cx="9220467" cy="713962"/>
-        </a:xfrm>
-        <a:prstGeom prst="rect">
-          <a:avLst/>
-        </a:prstGeom>
-        <a:solidFill>
-          <a:schemeClr val="tx2">
-            <a:lumMod val="50000"/>
-          </a:schemeClr>
-        </a:solidFill>
-        <a:ln w="12700" cap="flat" cmpd="sng" algn="ctr">
-          <a:solidFill>
-            <a:schemeClr val="lt2">
-              <a:hueOff val="0"/>
-              <a:satOff val="0"/>
-              <a:lumOff val="0"/>
-              <a:alphaOff val="0"/>
-            </a:schemeClr>
-          </a:solidFill>
-          <a:prstDash val="solid"/>
-          <a:miter lim="800000"/>
-        </a:ln>
-        <a:effectLst/>
-      </dsp:spPr>
-      <dsp:style>
-        <a:lnRef idx="2">
-          <a:scrgbClr r="0" g="0" b="0"/>
-        </a:lnRef>
-        <a:fillRef idx="1">
-          <a:scrgbClr r="0" g="0" b="0"/>
-        </a:fillRef>
-        <a:effectRef idx="0">
-          <a:scrgbClr r="0" g="0" b="0"/>
-        </a:effectRef>
-        <a:fontRef idx="minor">
-          <a:schemeClr val="lt1"/>
-        </a:fontRef>
-      </dsp:style>
-      <dsp:txBody>
-        <a:bodyPr spcFirstLastPara="0" vert="horz" wrap="square" lIns="566708" tIns="55880" rIns="55880" bIns="55880" numCol="1" spcCol="1270" anchor="ctr" anchorCtr="0">
-          <a:noAutofit/>
-        </a:bodyPr>
-        <a:lstStyle/>
-        <a:p>
-          <a:pPr lvl="0" algn="l" defTabSz="977900">
-            <a:lnSpc>
-              <a:spcPct val="90000"/>
-            </a:lnSpc>
-            <a:spcBef>
-              <a:spcPct val="0"/>
-            </a:spcBef>
-            <a:spcAft>
-              <a:spcPct val="35000"/>
-            </a:spcAft>
-          </a:pPr>
-          <a:r>
-            <a:rPr lang="sv-SE" sz="2200" kern="1200" dirty="0" smtClean="0"/>
-            <a:t>Menganalisa jumlah tapIn dan tapOut pada setiap halte TransJakarta</a:t>
-          </a:r>
-          <a:endParaRPr lang="en-US" sz="2200" kern="1200" dirty="0"/>
-        </a:p>
-      </dsp:txBody>
-      <dsp:txXfrm>
-        <a:off x="933504" y="1427925"/>
-        <a:ext cx="9220467" cy="713962"/>
-      </dsp:txXfrm>
-    </dsp:sp>
-    <dsp:sp modelId="{046ECE4C-1304-4629-9383-B11A283F53B2}">
-      <dsp:nvSpPr>
-        <dsp:cNvPr id="0" name=""/>
-        <dsp:cNvSpPr/>
-      </dsp:nvSpPr>
-      <dsp:spPr>
-        <a:xfrm>
-          <a:off x="487277" y="1338680"/>
-          <a:ext cx="892453" cy="892453"/>
-        </a:xfrm>
-        <a:prstGeom prst="ellipse">
-          <a:avLst/>
-        </a:prstGeom>
-        <a:solidFill>
-          <a:schemeClr val="lt2">
-            <a:hueOff val="0"/>
-            <a:satOff val="0"/>
-            <a:lumOff val="0"/>
-            <a:alphaOff val="0"/>
-          </a:schemeClr>
-        </a:solidFill>
-        <a:ln w="12700" cap="flat" cmpd="sng" algn="ctr">
-          <a:solidFill>
-            <a:schemeClr val="dk2">
-              <a:hueOff val="0"/>
-              <a:satOff val="0"/>
-              <a:lumOff val="0"/>
-              <a:alphaOff val="0"/>
-            </a:schemeClr>
-          </a:solidFill>
-          <a:prstDash val="solid"/>
-          <a:miter lim="800000"/>
-        </a:ln>
-        <a:effectLst/>
-      </dsp:spPr>
-      <dsp:style>
-        <a:lnRef idx="2">
-          <a:scrgbClr r="0" g="0" b="0"/>
-        </a:lnRef>
-        <a:fillRef idx="1">
-          <a:scrgbClr r="0" g="0" b="0"/>
-        </a:fillRef>
-        <a:effectRef idx="0">
-          <a:scrgbClr r="0" g="0" b="0"/>
-        </a:effectRef>
-        <a:fontRef idx="minor"/>
-      </dsp:style>
-    </dsp:sp>
-    <dsp:sp modelId="{815C8138-1204-4154-9C81-96E197CF10B1}">
-      <dsp:nvSpPr>
-        <dsp:cNvPr id="0" name=""/>
-        <dsp:cNvSpPr/>
-      </dsp:nvSpPr>
-      <dsp:spPr>
-        <a:xfrm>
-          <a:off x="933504" y="2499056"/>
-          <a:ext cx="9220467" cy="713962"/>
-        </a:xfrm>
-        <a:prstGeom prst="rect">
-          <a:avLst/>
-        </a:prstGeom>
-        <a:solidFill>
-          <a:schemeClr val="tx2">
-            <a:lumMod val="50000"/>
-          </a:schemeClr>
-        </a:solidFill>
-        <a:ln w="12700" cap="flat" cmpd="sng" algn="ctr">
-          <a:solidFill>
-            <a:schemeClr val="lt2">
-              <a:hueOff val="0"/>
-              <a:satOff val="0"/>
-              <a:lumOff val="0"/>
-              <a:alphaOff val="0"/>
-            </a:schemeClr>
-          </a:solidFill>
-          <a:prstDash val="solid"/>
-          <a:miter lim="800000"/>
-        </a:ln>
-        <a:effectLst/>
-      </dsp:spPr>
-      <dsp:style>
-        <a:lnRef idx="2">
-          <a:scrgbClr r="0" g="0" b="0"/>
-        </a:lnRef>
-        <a:fillRef idx="1">
-          <a:scrgbClr r="0" g="0" b="0"/>
-        </a:fillRef>
-        <a:effectRef idx="0">
-          <a:scrgbClr r="0" g="0" b="0"/>
-        </a:effectRef>
-        <a:fontRef idx="minor">
-          <a:schemeClr val="lt1"/>
-        </a:fontRef>
-      </dsp:style>
-      <dsp:txBody>
-        <a:bodyPr spcFirstLastPara="0" vert="horz" wrap="square" lIns="566708" tIns="55880" rIns="55880" bIns="55880" numCol="1" spcCol="1270" anchor="ctr" anchorCtr="0">
-          <a:noAutofit/>
-        </a:bodyPr>
-        <a:lstStyle/>
-        <a:p>
-          <a:pPr lvl="0" algn="l" defTabSz="977900">
-            <a:lnSpc>
-              <a:spcPct val="90000"/>
-            </a:lnSpc>
-            <a:spcBef>
-              <a:spcPct val="0"/>
-            </a:spcBef>
-            <a:spcAft>
-              <a:spcPct val="35000"/>
-            </a:spcAft>
-          </a:pPr>
-          <a:r>
-            <a:rPr lang="en-US" sz="2200" kern="1200" dirty="0" err="1" smtClean="0"/>
-            <a:t>Menganalisa</a:t>
-          </a:r>
-          <a:r>
-            <a:rPr lang="en-US" sz="2200" kern="1200" dirty="0" smtClean="0"/>
-            <a:t> </a:t>
-          </a:r>
-          <a:r>
-            <a:rPr lang="en-US" sz="2200" kern="1200" dirty="0" err="1" smtClean="0"/>
-            <a:t>karakteristik</a:t>
-          </a:r>
-          <a:r>
-            <a:rPr lang="en-US" sz="2200" kern="1200" dirty="0" smtClean="0"/>
-            <a:t> </a:t>
-          </a:r>
-          <a:r>
-            <a:rPr lang="en-US" sz="2200" kern="1200" dirty="0" err="1" smtClean="0"/>
-            <a:t>pengguna</a:t>
-          </a:r>
-          <a:r>
-            <a:rPr lang="en-US" sz="2200" kern="1200" dirty="0" smtClean="0"/>
-            <a:t> </a:t>
-          </a:r>
-          <a:r>
-            <a:rPr lang="en-US" sz="2200" kern="1200" dirty="0" err="1" smtClean="0"/>
-            <a:t>Transjakarta</a:t>
-          </a:r>
-          <a:r>
-            <a:rPr lang="en-US" sz="2200" kern="1200" smtClean="0"/>
-            <a:t> berdasarkan</a:t>
-          </a:r>
-          <a:r>
-            <a:rPr lang="en-US" sz="2200" kern="1200" dirty="0" smtClean="0"/>
-            <a:t> </a:t>
-          </a:r>
-          <a:r>
-            <a:rPr lang="en-US" sz="2200" kern="1200" dirty="0" err="1" smtClean="0"/>
-            <a:t>usia</a:t>
-          </a:r>
-          <a:endParaRPr lang="en-US" sz="2200" kern="1200" dirty="0"/>
-        </a:p>
-      </dsp:txBody>
-      <dsp:txXfrm>
-        <a:off x="933504" y="2499056"/>
-        <a:ext cx="9220467" cy="713962"/>
-      </dsp:txXfrm>
-    </dsp:sp>
-    <dsp:sp modelId="{792357BE-E80B-441D-841E-267D8C9C3FBD}">
-      <dsp:nvSpPr>
-        <dsp:cNvPr id="0" name=""/>
-        <dsp:cNvSpPr/>
-      </dsp:nvSpPr>
-      <dsp:spPr>
-        <a:xfrm>
-          <a:off x="487277" y="2409810"/>
-          <a:ext cx="892453" cy="892453"/>
-        </a:xfrm>
-        <a:prstGeom prst="ellipse">
-          <a:avLst/>
-        </a:prstGeom>
-        <a:solidFill>
-          <a:schemeClr val="lt2">
-            <a:hueOff val="0"/>
-            <a:satOff val="0"/>
-            <a:lumOff val="0"/>
-            <a:alphaOff val="0"/>
-          </a:schemeClr>
-        </a:solidFill>
-        <a:ln w="12700" cap="flat" cmpd="sng" algn="ctr">
-          <a:solidFill>
-            <a:schemeClr val="dk2">
-              <a:hueOff val="0"/>
-              <a:satOff val="0"/>
-              <a:lumOff val="0"/>
-              <a:alphaOff val="0"/>
-            </a:schemeClr>
-          </a:solidFill>
-          <a:prstDash val="solid"/>
-          <a:miter lim="800000"/>
-        </a:ln>
-        <a:effectLst/>
-      </dsp:spPr>
-      <dsp:style>
-        <a:lnRef idx="2">
-          <a:scrgbClr r="0" g="0" b="0"/>
-        </a:lnRef>
-        <a:fillRef idx="1">
-          <a:scrgbClr r="0" g="0" b="0"/>
-        </a:fillRef>
-        <a:effectRef idx="0">
-          <a:scrgbClr r="0" g="0" b="0"/>
-        </a:effectRef>
-        <a:fontRef idx="minor"/>
-      </dsp:style>
-    </dsp:sp>
-    <dsp:sp modelId="{3D36D69E-EE74-4D70-A9C5-8CB30ECF3693}">
-      <dsp:nvSpPr>
-        <dsp:cNvPr id="0" name=""/>
-        <dsp:cNvSpPr/>
-      </dsp:nvSpPr>
-      <dsp:spPr>
-        <a:xfrm>
-          <a:off x="524173" y="3570186"/>
-          <a:ext cx="9629799" cy="713962"/>
-        </a:xfrm>
-        <a:prstGeom prst="rect">
-          <a:avLst/>
-        </a:prstGeom>
-        <a:solidFill>
-          <a:schemeClr val="tx2">
-            <a:lumMod val="50000"/>
-          </a:schemeClr>
-        </a:solidFill>
-        <a:ln w="12700" cap="flat" cmpd="sng" algn="ctr">
-          <a:solidFill>
-            <a:schemeClr val="lt2">
-              <a:hueOff val="0"/>
-              <a:satOff val="0"/>
-              <a:lumOff val="0"/>
-              <a:alphaOff val="0"/>
-            </a:schemeClr>
-          </a:solidFill>
-          <a:prstDash val="solid"/>
-          <a:miter lim="800000"/>
-        </a:ln>
-        <a:effectLst/>
-      </dsp:spPr>
-      <dsp:style>
-        <a:lnRef idx="2">
-          <a:scrgbClr r="0" g="0" b="0"/>
-        </a:lnRef>
-        <a:fillRef idx="1">
-          <a:scrgbClr r="0" g="0" b="0"/>
-        </a:fillRef>
-        <a:effectRef idx="0">
-          <a:scrgbClr r="0" g="0" b="0"/>
-        </a:effectRef>
-        <a:fontRef idx="minor">
-          <a:schemeClr val="lt1"/>
-        </a:fontRef>
-      </dsp:style>
-      <dsp:txBody>
-        <a:bodyPr spcFirstLastPara="0" vert="horz" wrap="square" lIns="566708" tIns="55880" rIns="55880" bIns="55880" numCol="1" spcCol="1270" anchor="ctr" anchorCtr="0">
-          <a:noAutofit/>
-        </a:bodyPr>
-        <a:lstStyle/>
-        <a:p>
-          <a:pPr lvl="0" algn="l" defTabSz="977900">
-            <a:lnSpc>
-              <a:spcPct val="90000"/>
-            </a:lnSpc>
-            <a:spcBef>
-              <a:spcPct val="0"/>
-            </a:spcBef>
-            <a:spcAft>
-              <a:spcPct val="35000"/>
-            </a:spcAft>
-          </a:pPr>
-          <a:r>
-            <a:rPr lang="en-US" sz="2200" kern="1200" dirty="0" err="1" smtClean="0"/>
-            <a:t>Menganalisa</a:t>
-          </a:r>
-          <a:r>
-            <a:rPr lang="en-US" sz="2200" kern="1200" dirty="0" smtClean="0"/>
-            <a:t> </a:t>
-          </a:r>
-          <a:r>
-            <a:rPr lang="en-US" sz="2200" kern="1200" dirty="0" err="1" smtClean="0"/>
-            <a:t>koridor</a:t>
-          </a:r>
-          <a:r>
-            <a:rPr lang="en-US" sz="2200" kern="1200" dirty="0" smtClean="0"/>
-            <a:t> </a:t>
-          </a:r>
-          <a:r>
-            <a:rPr lang="en-US" sz="2200" kern="1200" dirty="0" err="1" smtClean="0"/>
-            <a:t>mana</a:t>
-          </a:r>
-          <a:r>
-            <a:rPr lang="en-US" sz="2200" kern="1200" dirty="0" smtClean="0"/>
-            <a:t> yang </a:t>
-          </a:r>
-          <a:r>
-            <a:rPr lang="en-US" sz="2200" kern="1200" dirty="0" err="1" smtClean="0"/>
-            <a:t>memiliki</a:t>
-          </a:r>
-          <a:r>
-            <a:rPr lang="en-US" sz="2200" kern="1200" dirty="0" smtClean="0"/>
-            <a:t> </a:t>
-          </a:r>
-          <a:r>
-            <a:rPr lang="en-US" sz="2200" kern="1200" dirty="0" err="1" smtClean="0"/>
-            <a:t>pengguna</a:t>
-          </a:r>
-          <a:r>
-            <a:rPr lang="en-US" sz="2200" kern="1200" dirty="0" smtClean="0"/>
-            <a:t> paling </a:t>
-          </a:r>
-          <a:r>
-            <a:rPr lang="en-US" sz="2200" kern="1200" dirty="0" err="1" smtClean="0"/>
-            <a:t>banyak</a:t>
-          </a:r>
-          <a:r>
-            <a:rPr lang="en-US" sz="2200" kern="1200" dirty="0" smtClean="0"/>
-            <a:t> </a:t>
-          </a:r>
-          <a:r>
-            <a:rPr lang="en-US" sz="2200" kern="1200" dirty="0" err="1" smtClean="0"/>
-            <a:t>dan</a:t>
-          </a:r>
-          <a:r>
-            <a:rPr lang="en-US" sz="2200" kern="1200" dirty="0" smtClean="0"/>
-            <a:t> </a:t>
-          </a:r>
-          <a:r>
-            <a:rPr lang="en-US" sz="2200" kern="1200" dirty="0" err="1" smtClean="0"/>
-            <a:t>sedikit</a:t>
-          </a:r>
-          <a:endParaRPr lang="en-US" sz="2200" kern="1200" dirty="0"/>
-        </a:p>
-      </dsp:txBody>
-      <dsp:txXfrm>
-        <a:off x="524173" y="3570186"/>
-        <a:ext cx="9629799" cy="713962"/>
-      </dsp:txXfrm>
-    </dsp:sp>
-    <dsp:sp modelId="{E4B97C81-8EDB-4A09-8587-05886EC4C66F}">
-      <dsp:nvSpPr>
-        <dsp:cNvPr id="0" name=""/>
-        <dsp:cNvSpPr/>
-      </dsp:nvSpPr>
-      <dsp:spPr>
-        <a:xfrm>
-          <a:off x="77946" y="3480940"/>
-          <a:ext cx="892453" cy="892453"/>
-        </a:xfrm>
-        <a:prstGeom prst="ellipse">
-          <a:avLst/>
-        </a:prstGeom>
-        <a:solidFill>
-          <a:schemeClr val="lt2">
-            <a:hueOff val="0"/>
-            <a:satOff val="0"/>
-            <a:lumOff val="0"/>
-            <a:alphaOff val="0"/>
-          </a:schemeClr>
-        </a:solidFill>
-        <a:ln w="12700" cap="flat" cmpd="sng" algn="ctr">
-          <a:solidFill>
-            <a:schemeClr val="dk2">
-              <a:hueOff val="0"/>
-              <a:satOff val="0"/>
-              <a:lumOff val="0"/>
-              <a:alphaOff val="0"/>
-            </a:schemeClr>
-          </a:solidFill>
-          <a:prstDash val="solid"/>
-          <a:miter lim="800000"/>
-        </a:ln>
-        <a:effectLst/>
-      </dsp:spPr>
-      <dsp:style>
-        <a:lnRef idx="2">
-          <a:scrgbClr r="0" g="0" b="0"/>
-        </a:lnRef>
-        <a:fillRef idx="1">
-          <a:scrgbClr r="0" g="0" b="0"/>
-        </a:fillRef>
-        <a:effectRef idx="0">
-          <a:scrgbClr r="0" g="0" b="0"/>
-        </a:effectRef>
-        <a:fontRef idx="minor"/>
-      </dsp:style>
-    </dsp:sp>
   </dsp:spTree>
 </dsp:drawing>
 </file>
@@ -11359,15 +10749,7 @@
             <a:pPr algn="r"/>
             <a:r>
               <a:rPr lang="en-US" b="1" dirty="0" smtClean="0"/>
-              <a:t>Job Connector Data Science Online </a:t>
-            </a:r>
-            <a:r>
-              <a:rPr lang="en-US" b="1" dirty="0" smtClean="0"/>
-              <a:t>Batch 13 </a:t>
-            </a:r>
-            <a:r>
-              <a:rPr lang="en-US" b="1" dirty="0" smtClean="0"/>
-              <a:t>Group-2</a:t>
+              <a:t>Job Connector Data Science Online Batch 13 Group-2</a:t>
             </a:r>
             <a:endParaRPr lang="en-US" b="1" dirty="0"/>
           </a:p>
@@ -14593,15 +13975,7 @@
                   <a:schemeClr val="bg1"/>
                 </a:solidFill>
               </a:rPr>
-              <a:t>2023 </a:t>
-            </a:r>
-            <a:r>
-              <a:rPr lang="en-US" sz="1600" b="1" dirty="0" smtClean="0">
-                <a:solidFill>
-                  <a:schemeClr val="bg1"/>
-                </a:solidFill>
-              </a:rPr>
-              <a:t>(</a:t>
+              <a:t>2023 (</a:t>
             </a:r>
             <a:r>
               <a:rPr lang="en-US" sz="1600" b="1" i="1" dirty="0">
@@ -14617,15 +13991,7 @@
                   <a:schemeClr val="bg1"/>
                 </a:solidFill>
               </a:rPr>
-              <a:t>akarta.bps.go.id</a:t>
-            </a:r>
-            <a:r>
-              <a:rPr lang="en-US" sz="1600" b="1" i="1" dirty="0" smtClean="0">
-                <a:solidFill>
-                  <a:schemeClr val="bg1"/>
-                </a:solidFill>
-              </a:rPr>
-              <a:t>).</a:t>
+              <a:t>akarta.bps.go.id).</a:t>
             </a:r>
             <a:endParaRPr lang="en-US" sz="1600" b="1" dirty="0" smtClean="0">
               <a:solidFill>
@@ -16657,6 +16023,62 @@
           </a:prstGeom>
         </p:spPr>
       </p:pic>
+      <p:sp>
+        <p:nvSpPr>
+          <p:cNvPr id="2" name="Rectangle 1"/>
+          <p:cNvSpPr/>
+          <p:nvPr/>
+        </p:nvSpPr>
+        <p:spPr>
+          <a:xfrm>
+            <a:off x="518498" y="5407721"/>
+            <a:ext cx="5264727" cy="461665"/>
+          </a:xfrm>
+          <a:prstGeom prst="rect">
+            <a:avLst/>
+          </a:prstGeom>
+        </p:spPr>
+        <p:txBody>
+          <a:bodyPr wrap="square">
+            <a:spAutoFit/>
+          </a:bodyPr>
+          <a:lstStyle/>
+          <a:p>
+            <a:r>
+              <a:rPr lang="en-US" sz="1200" dirty="0" err="1" smtClean="0"/>
+              <a:t>Sumber</a:t>
+            </a:r>
+            <a:r>
+              <a:rPr lang="en-US" sz="1200" dirty="0"/>
+              <a:t> </a:t>
+            </a:r>
+            <a:r>
+              <a:rPr lang="en-US" sz="1200" dirty="0" smtClean="0"/>
+              <a:t>: </a:t>
+            </a:r>
+            <a:r>
+              <a:rPr lang="en-US" sz="1200" dirty="0" smtClean="0">
+                <a:solidFill>
+                  <a:schemeClr val="accent1">
+                    <a:lumMod val="75000"/>
+                  </a:schemeClr>
+                </a:solidFill>
+              </a:rPr>
+              <a:t>https</a:t>
+            </a:r>
+            <a:r>
+              <a:rPr lang="en-US" sz="1200" dirty="0">
+                <a:solidFill>
+                  <a:schemeClr val="accent1">
+                    <a:lumMod val="75000"/>
+                  </a:schemeClr>
+                </a:solidFill>
+              </a:rPr>
+              <a:t>://www.kaggle.com/datasets/dikisahkan/transjakarta-transportation-transaction?select=dfTransjakarta.csv.</a:t>
+            </a:r>
+          </a:p>
+        </p:txBody>
+      </p:sp>
     </p:spTree>
     <p:extLst>
       <p:ext uri="{BB962C8B-B14F-4D97-AF65-F5344CB8AC3E}">
